--- a/Лекция 12 21_04_2021.pptx
+++ b/Лекция 12 21_04_2021.pptx
@@ -5,7 +5,7 @@
     <p:sldMasterId id="2147483648" r:id="rId1"/>
   </p:sldMasterIdLst>
   <p:notesMasterIdLst>
-    <p:notesMasterId r:id="rId47"/>
+    <p:notesMasterId r:id="rId53"/>
   </p:notesMasterIdLst>
   <p:sldIdLst>
     <p:sldId id="256" r:id="rId2"/>
@@ -53,6 +53,12 @@
     <p:sldId id="259" r:id="rId44"/>
     <p:sldId id="260" r:id="rId45"/>
     <p:sldId id="347" r:id="rId46"/>
+    <p:sldId id="388" r:id="rId47"/>
+    <p:sldId id="389" r:id="rId48"/>
+    <p:sldId id="390" r:id="rId49"/>
+    <p:sldId id="391" r:id="rId50"/>
+    <p:sldId id="392" r:id="rId51"/>
+    <p:sldId id="393" r:id="rId52"/>
   </p:sldIdLst>
   <p:sldSz cx="12192000" cy="6858000"/>
   <p:notesSz cx="6858000" cy="9144000"/>
@@ -253,7 +259,7 @@
           <a:p>
             <a:fld id="{44DBC884-B382-4302-8488-D4E467EB670D}" type="datetimeFigureOut">
               <a:rPr lang="ru-RU" smtClean="0"/>
-              <a:t>03.03.2021</a:t>
+              <a:t>04.03.2021</a:t>
             </a:fld>
             <a:endParaRPr lang="ru-RU" dirty="0"/>
           </a:p>
@@ -652,7 +658,7 @@
           <a:p>
             <a:fld id="{9F4DF3D0-C105-404D-A43B-7CBA1B97B744}" type="datetimeFigureOut">
               <a:rPr lang="ru-RU" smtClean="0"/>
-              <a:t>03.03.2021</a:t>
+              <a:t>04.03.2021</a:t>
             </a:fld>
             <a:endParaRPr lang="ru-RU" dirty="0"/>
           </a:p>
@@ -822,7 +828,7 @@
           <a:p>
             <a:fld id="{9F4DF3D0-C105-404D-A43B-7CBA1B97B744}" type="datetimeFigureOut">
               <a:rPr lang="ru-RU" smtClean="0"/>
-              <a:t>03.03.2021</a:t>
+              <a:t>04.03.2021</a:t>
             </a:fld>
             <a:endParaRPr lang="ru-RU" dirty="0"/>
           </a:p>
@@ -1002,7 +1008,7 @@
           <a:p>
             <a:fld id="{9F4DF3D0-C105-404D-A43B-7CBA1B97B744}" type="datetimeFigureOut">
               <a:rPr lang="ru-RU" smtClean="0"/>
-              <a:t>03.03.2021</a:t>
+              <a:t>04.03.2021</a:t>
             </a:fld>
             <a:endParaRPr lang="ru-RU" dirty="0"/>
           </a:p>
@@ -1172,7 +1178,7 @@
           <a:p>
             <a:fld id="{9F4DF3D0-C105-404D-A43B-7CBA1B97B744}" type="datetimeFigureOut">
               <a:rPr lang="ru-RU" smtClean="0"/>
-              <a:t>03.03.2021</a:t>
+              <a:t>04.03.2021</a:t>
             </a:fld>
             <a:endParaRPr lang="ru-RU" dirty="0"/>
           </a:p>
@@ -1418,7 +1424,7 @@
           <a:p>
             <a:fld id="{9F4DF3D0-C105-404D-A43B-7CBA1B97B744}" type="datetimeFigureOut">
               <a:rPr lang="ru-RU" smtClean="0"/>
-              <a:t>03.03.2021</a:t>
+              <a:t>04.03.2021</a:t>
             </a:fld>
             <a:endParaRPr lang="ru-RU" dirty="0"/>
           </a:p>
@@ -1650,7 +1656,7 @@
           <a:p>
             <a:fld id="{9F4DF3D0-C105-404D-A43B-7CBA1B97B744}" type="datetimeFigureOut">
               <a:rPr lang="ru-RU" smtClean="0"/>
-              <a:t>03.03.2021</a:t>
+              <a:t>04.03.2021</a:t>
             </a:fld>
             <a:endParaRPr lang="ru-RU" dirty="0"/>
           </a:p>
@@ -2017,7 +2023,7 @@
           <a:p>
             <a:fld id="{9F4DF3D0-C105-404D-A43B-7CBA1B97B744}" type="datetimeFigureOut">
               <a:rPr lang="ru-RU" smtClean="0"/>
-              <a:t>03.03.2021</a:t>
+              <a:t>04.03.2021</a:t>
             </a:fld>
             <a:endParaRPr lang="ru-RU" dirty="0"/>
           </a:p>
@@ -2135,7 +2141,7 @@
           <a:p>
             <a:fld id="{9F4DF3D0-C105-404D-A43B-7CBA1B97B744}" type="datetimeFigureOut">
               <a:rPr lang="ru-RU" smtClean="0"/>
-              <a:t>03.03.2021</a:t>
+              <a:t>04.03.2021</a:t>
             </a:fld>
             <a:endParaRPr lang="ru-RU" dirty="0"/>
           </a:p>
@@ -2230,7 +2236,7 @@
           <a:p>
             <a:fld id="{9F4DF3D0-C105-404D-A43B-7CBA1B97B744}" type="datetimeFigureOut">
               <a:rPr lang="ru-RU" smtClean="0"/>
-              <a:t>03.03.2021</a:t>
+              <a:t>04.03.2021</a:t>
             </a:fld>
             <a:endParaRPr lang="ru-RU" dirty="0"/>
           </a:p>
@@ -2507,7 +2513,7 @@
           <a:p>
             <a:fld id="{9F4DF3D0-C105-404D-A43B-7CBA1B97B744}" type="datetimeFigureOut">
               <a:rPr lang="ru-RU" smtClean="0"/>
-              <a:t>03.03.2021</a:t>
+              <a:t>04.03.2021</a:t>
             </a:fld>
             <a:endParaRPr lang="ru-RU" dirty="0"/>
           </a:p>
@@ -2760,7 +2766,7 @@
           <a:p>
             <a:fld id="{9F4DF3D0-C105-404D-A43B-7CBA1B97B744}" type="datetimeFigureOut">
               <a:rPr lang="ru-RU" smtClean="0"/>
-              <a:t>03.03.2021</a:t>
+              <a:t>04.03.2021</a:t>
             </a:fld>
             <a:endParaRPr lang="ru-RU" dirty="0"/>
           </a:p>
@@ -2973,7 +2979,7 @@
           <a:p>
             <a:fld id="{9F4DF3D0-C105-404D-A43B-7CBA1B97B744}" type="datetimeFigureOut">
               <a:rPr lang="ru-RU" smtClean="0"/>
-              <a:t>03.03.2021</a:t>
+              <a:t>04.03.2021</a:t>
             </a:fld>
             <a:endParaRPr lang="ru-RU" dirty="0"/>
           </a:p>
@@ -3691,11 +3697,7 @@
           <a:p>
             <a:r>
               <a:rPr lang="ru-RU" dirty="0" smtClean="0"/>
-              <a:t>Склонность к </a:t>
-            </a:r>
-            <a:r>
-              <a:rPr lang="ru-RU" dirty="0" smtClean="0"/>
-              <a:t>исчезновени</a:t>
+              <a:t>Склонность к исчезновени</a:t>
             </a:r>
             <a:r>
               <a:rPr lang="ru-RU" dirty="0"/>
@@ -3703,11 +3705,7 @@
             </a:r>
             <a:r>
               <a:rPr lang="ru-RU" dirty="0" smtClean="0"/>
-              <a:t> </a:t>
-            </a:r>
-            <a:r>
-              <a:rPr lang="ru-RU" dirty="0" smtClean="0"/>
-              <a:t>и взрыву градиента.</a:t>
+              <a:t> и взрыву градиента.</a:t>
             </a:r>
           </a:p>
           <a:p>
@@ -7748,6 +7746,73 @@
             <a:pPr marL="0" lvl="0" indent="0">
               <a:buNone/>
             </a:pPr>
+            <a:r>
+              <a:rPr lang="ru-RU" dirty="0"/>
+              <a:t>В каком случае на вход </a:t>
+            </a:r>
+            <a:r>
+              <a:rPr lang="en-US" dirty="0" err="1"/>
+              <a:t>seq</a:t>
+            </a:r>
+            <a:r>
+              <a:rPr lang="ru-RU" dirty="0"/>
+              <a:t>2</a:t>
+            </a:r>
+            <a:r>
+              <a:rPr lang="en-US" dirty="0" err="1"/>
+              <a:t>seq</a:t>
+            </a:r>
+            <a:r>
+              <a:rPr lang="en-US" dirty="0"/>
+              <a:t> </a:t>
+            </a:r>
+            <a:r>
+              <a:rPr lang="ru-RU" dirty="0"/>
+              <a:t>модели подается не текст</a:t>
+            </a:r>
+            <a:r>
+              <a:rPr lang="ru-RU" dirty="0" smtClean="0"/>
+              <a:t>?</a:t>
+            </a:r>
+            <a:endParaRPr lang="en-US" dirty="0" smtClean="0"/>
+          </a:p>
+          <a:p>
+            <a:pPr marL="0" lvl="0" indent="0">
+              <a:buNone/>
+            </a:pPr>
+            <a:endParaRPr lang="ru-RU" dirty="0"/>
+          </a:p>
+          <a:p>
+            <a:r>
+              <a:rPr lang="ru-RU" dirty="0"/>
+              <a:t>Разговорная модель.</a:t>
+            </a:r>
+          </a:p>
+          <a:p>
+            <a:r>
+              <a:rPr lang="ru-RU" dirty="0"/>
+              <a:t>Генерация названий.</a:t>
+            </a:r>
+          </a:p>
+          <a:p>
+            <a:r>
+              <a:rPr lang="ru-RU" dirty="0" err="1"/>
+              <a:t>Резюмирование</a:t>
+            </a:r>
+            <a:r>
+              <a:rPr lang="ru-RU" dirty="0"/>
+              <a:t> текста.</a:t>
+            </a:r>
+          </a:p>
+          <a:p>
+            <a:r>
+              <a:rPr lang="ru-RU" dirty="0"/>
+              <a:t>Машинный перевод</a:t>
+            </a:r>
+            <a:r>
+              <a:rPr lang="ru-RU" dirty="0" smtClean="0"/>
+              <a:t>.</a:t>
+            </a:r>
             <a:endParaRPr lang="ru-RU" dirty="0"/>
           </a:p>
         </p:txBody>
@@ -7756,6 +7821,598 @@
     <p:extLst>
       <p:ext uri="{BB962C8B-B14F-4D97-AF65-F5344CB8AC3E}">
         <p14:creationId xmlns:p14="http://schemas.microsoft.com/office/powerpoint/2010/main" val="63509945"/>
+      </p:ext>
+    </p:extLst>
+  </p:cSld>
+  <p:clrMapOvr>
+    <a:masterClrMapping/>
+  </p:clrMapOvr>
+  <p:timing>
+    <p:tnLst>
+      <p:par>
+        <p:cTn id="1" dur="indefinite" restart="never" nodeType="tmRoot"/>
+      </p:par>
+    </p:tnLst>
+  </p:timing>
+</p:sld>
+</file>
+
+<file path=ppt/slides/slide46.xml><?xml version="1.0" encoding="utf-8"?>
+<p:sld xmlns:a="http://schemas.openxmlformats.org/drawingml/2006/main" xmlns:r="http://schemas.openxmlformats.org/officeDocument/2006/relationships" xmlns:p="http://schemas.openxmlformats.org/presentationml/2006/main">
+  <p:cSld>
+    <p:spTree>
+      <p:nvGrpSpPr>
+        <p:cNvPr id="1" name=""/>
+        <p:cNvGrpSpPr/>
+        <p:nvPr/>
+      </p:nvGrpSpPr>
+      <p:grpSpPr>
+        <a:xfrm>
+          <a:off x="0" y="0"/>
+          <a:ext cx="0" cy="0"/>
+          <a:chOff x="0" y="0"/>
+          <a:chExt cx="0" cy="0"/>
+        </a:xfrm>
+      </p:grpSpPr>
+      <p:sp>
+        <p:nvSpPr>
+          <p:cNvPr id="2" name="Заголовок 1"/>
+          <p:cNvSpPr>
+            <a:spLocks noGrp="1"/>
+          </p:cNvSpPr>
+          <p:nvPr>
+            <p:ph type="title"/>
+          </p:nvPr>
+        </p:nvSpPr>
+        <p:spPr/>
+        <p:txBody>
+          <a:bodyPr/>
+          <a:lstStyle/>
+          <a:p>
+            <a:r>
+              <a:rPr lang="ru-RU" dirty="0" smtClean="0"/>
+              <a:t>Контрольные вопросы</a:t>
+            </a:r>
+            <a:endParaRPr lang="ru-RU" dirty="0"/>
+          </a:p>
+        </p:txBody>
+      </p:sp>
+      <p:sp>
+        <p:nvSpPr>
+          <p:cNvPr id="3" name="Объект 2"/>
+          <p:cNvSpPr>
+            <a:spLocks noGrp="1"/>
+          </p:cNvSpPr>
+          <p:nvPr>
+            <p:ph idx="1"/>
+          </p:nvPr>
+        </p:nvSpPr>
+        <p:spPr/>
+        <p:txBody>
+          <a:bodyPr>
+            <a:normAutofit/>
+          </a:bodyPr>
+          <a:lstStyle/>
+          <a:p>
+            <a:pPr marL="0" lvl="0" indent="0">
+              <a:buNone/>
+            </a:pPr>
+            <a:r>
+              <a:rPr lang="ru-RU" dirty="0"/>
+              <a:t>Что не относится к достоинствам рекуррентных нейронных сетей</a:t>
+            </a:r>
+            <a:r>
+              <a:rPr lang="ru-RU" dirty="0" smtClean="0"/>
+              <a:t>?</a:t>
+            </a:r>
+            <a:endParaRPr lang="en-US" dirty="0" smtClean="0"/>
+          </a:p>
+          <a:p>
+            <a:pPr marL="0" lvl="0" indent="0">
+              <a:buNone/>
+            </a:pPr>
+            <a:endParaRPr lang="ru-RU" dirty="0"/>
+          </a:p>
+          <a:p>
+            <a:r>
+              <a:rPr lang="ru-RU" dirty="0"/>
+              <a:t>Размер модели не зависит от длины входной последовательности данных.</a:t>
+            </a:r>
+          </a:p>
+          <a:p>
+            <a:r>
+              <a:rPr lang="ru-RU" dirty="0"/>
+              <a:t>Данные могут сохраняться в процессе работы сети.</a:t>
+            </a:r>
+          </a:p>
+          <a:p>
+            <a:r>
+              <a:rPr lang="ru-RU" dirty="0"/>
+              <a:t>Нет ограничений на длину входной последовательности данных.</a:t>
+            </a:r>
+          </a:p>
+          <a:p>
+            <a:r>
+              <a:rPr lang="ru-RU" dirty="0"/>
+              <a:t>Высокая скорость работы сети</a:t>
+            </a:r>
+            <a:r>
+              <a:rPr lang="ru-RU" dirty="0" smtClean="0"/>
+              <a:t>.</a:t>
+            </a:r>
+            <a:endParaRPr lang="ru-RU" dirty="0"/>
+          </a:p>
+        </p:txBody>
+      </p:sp>
+    </p:spTree>
+    <p:extLst>
+      <p:ext uri="{BB962C8B-B14F-4D97-AF65-F5344CB8AC3E}">
+        <p14:creationId xmlns:p14="http://schemas.microsoft.com/office/powerpoint/2010/main" val="2156694026"/>
+      </p:ext>
+    </p:extLst>
+  </p:cSld>
+  <p:clrMapOvr>
+    <a:masterClrMapping/>
+  </p:clrMapOvr>
+  <p:timing>
+    <p:tnLst>
+      <p:par>
+        <p:cTn id="1" dur="indefinite" restart="never" nodeType="tmRoot"/>
+      </p:par>
+    </p:tnLst>
+  </p:timing>
+</p:sld>
+</file>
+
+<file path=ppt/slides/slide47.xml><?xml version="1.0" encoding="utf-8"?>
+<p:sld xmlns:a="http://schemas.openxmlformats.org/drawingml/2006/main" xmlns:r="http://schemas.openxmlformats.org/officeDocument/2006/relationships" xmlns:p="http://schemas.openxmlformats.org/presentationml/2006/main">
+  <p:cSld>
+    <p:spTree>
+      <p:nvGrpSpPr>
+        <p:cNvPr id="1" name=""/>
+        <p:cNvGrpSpPr/>
+        <p:nvPr/>
+      </p:nvGrpSpPr>
+      <p:grpSpPr>
+        <a:xfrm>
+          <a:off x="0" y="0"/>
+          <a:ext cx="0" cy="0"/>
+          <a:chOff x="0" y="0"/>
+          <a:chExt cx="0" cy="0"/>
+        </a:xfrm>
+      </p:grpSpPr>
+      <p:sp>
+        <p:nvSpPr>
+          <p:cNvPr id="2" name="Заголовок 1"/>
+          <p:cNvSpPr>
+            <a:spLocks noGrp="1"/>
+          </p:cNvSpPr>
+          <p:nvPr>
+            <p:ph type="title"/>
+          </p:nvPr>
+        </p:nvSpPr>
+        <p:spPr/>
+        <p:txBody>
+          <a:bodyPr/>
+          <a:lstStyle/>
+          <a:p>
+            <a:r>
+              <a:rPr lang="ru-RU" dirty="0" smtClean="0"/>
+              <a:t>Контрольные вопросы</a:t>
+            </a:r>
+            <a:endParaRPr lang="ru-RU" dirty="0"/>
+          </a:p>
+        </p:txBody>
+      </p:sp>
+      <p:sp>
+        <p:nvSpPr>
+          <p:cNvPr id="3" name="Объект 2"/>
+          <p:cNvSpPr>
+            <a:spLocks noGrp="1"/>
+          </p:cNvSpPr>
+          <p:nvPr>
+            <p:ph idx="1"/>
+          </p:nvPr>
+        </p:nvSpPr>
+        <p:spPr/>
+        <p:txBody>
+          <a:bodyPr>
+            <a:normAutofit/>
+          </a:bodyPr>
+          <a:lstStyle/>
+          <a:p>
+            <a:pPr marL="0" lvl="0" indent="0">
+              <a:buNone/>
+            </a:pPr>
+            <a:r>
+              <a:rPr lang="ru-RU" dirty="0"/>
+              <a:t>Какая функция активации используется в фильтрах сети с долгой краткосрочной памятью</a:t>
+            </a:r>
+            <a:r>
+              <a:rPr lang="ru-RU" dirty="0" smtClean="0"/>
+              <a:t>?</a:t>
+            </a:r>
+            <a:endParaRPr lang="en-US" dirty="0" smtClean="0"/>
+          </a:p>
+          <a:p>
+            <a:pPr marL="0" lvl="0" indent="0">
+              <a:buNone/>
+            </a:pPr>
+            <a:endParaRPr lang="ru-RU" dirty="0"/>
+          </a:p>
+          <a:p>
+            <a:r>
+              <a:rPr lang="ru-RU" dirty="0" err="1"/>
+              <a:t>Сигмоида</a:t>
+            </a:r>
+            <a:r>
+              <a:rPr lang="ru-RU" dirty="0"/>
+              <a:t>.</a:t>
+            </a:r>
+          </a:p>
+          <a:p>
+            <a:r>
+              <a:rPr lang="ru-RU" dirty="0"/>
+              <a:t>Линейная.</a:t>
+            </a:r>
+          </a:p>
+          <a:p>
+            <a:r>
+              <a:rPr lang="ru-RU" dirty="0"/>
+              <a:t>Гиперболический тангенс.</a:t>
+            </a:r>
+          </a:p>
+          <a:p>
+            <a:r>
+              <a:rPr lang="en-US" dirty="0" err="1"/>
+              <a:t>ReLU</a:t>
+            </a:r>
+            <a:r>
+              <a:rPr lang="ru-RU" dirty="0" smtClean="0"/>
+              <a:t>.</a:t>
+            </a:r>
+            <a:endParaRPr lang="ru-RU" dirty="0"/>
+          </a:p>
+        </p:txBody>
+      </p:sp>
+    </p:spTree>
+    <p:extLst>
+      <p:ext uri="{BB962C8B-B14F-4D97-AF65-F5344CB8AC3E}">
+        <p14:creationId xmlns:p14="http://schemas.microsoft.com/office/powerpoint/2010/main" val="3976919128"/>
+      </p:ext>
+    </p:extLst>
+  </p:cSld>
+  <p:clrMapOvr>
+    <a:masterClrMapping/>
+  </p:clrMapOvr>
+  <p:timing>
+    <p:tnLst>
+      <p:par>
+        <p:cTn id="1" dur="indefinite" restart="never" nodeType="tmRoot"/>
+      </p:par>
+    </p:tnLst>
+  </p:timing>
+</p:sld>
+</file>
+
+<file path=ppt/slides/slide48.xml><?xml version="1.0" encoding="utf-8"?>
+<p:sld xmlns:a="http://schemas.openxmlformats.org/drawingml/2006/main" xmlns:r="http://schemas.openxmlformats.org/officeDocument/2006/relationships" xmlns:p="http://schemas.openxmlformats.org/presentationml/2006/main">
+  <p:cSld>
+    <p:spTree>
+      <p:nvGrpSpPr>
+        <p:cNvPr id="1" name=""/>
+        <p:cNvGrpSpPr/>
+        <p:nvPr/>
+      </p:nvGrpSpPr>
+      <p:grpSpPr>
+        <a:xfrm>
+          <a:off x="0" y="0"/>
+          <a:ext cx="0" cy="0"/>
+          <a:chOff x="0" y="0"/>
+          <a:chExt cx="0" cy="0"/>
+        </a:xfrm>
+      </p:grpSpPr>
+      <p:sp>
+        <p:nvSpPr>
+          <p:cNvPr id="2" name="Заголовок 1"/>
+          <p:cNvSpPr>
+            <a:spLocks noGrp="1"/>
+          </p:cNvSpPr>
+          <p:nvPr>
+            <p:ph type="title"/>
+          </p:nvPr>
+        </p:nvSpPr>
+        <p:spPr/>
+        <p:txBody>
+          <a:bodyPr/>
+          <a:lstStyle/>
+          <a:p>
+            <a:r>
+              <a:rPr lang="ru-RU" dirty="0" smtClean="0"/>
+              <a:t>Контрольные вопросы</a:t>
+            </a:r>
+            <a:endParaRPr lang="ru-RU" dirty="0"/>
+          </a:p>
+        </p:txBody>
+      </p:sp>
+      <p:sp>
+        <p:nvSpPr>
+          <p:cNvPr id="3" name="Объект 2"/>
+          <p:cNvSpPr>
+            <a:spLocks noGrp="1"/>
+          </p:cNvSpPr>
+          <p:nvPr>
+            <p:ph idx="1"/>
+          </p:nvPr>
+        </p:nvSpPr>
+        <p:spPr/>
+        <p:txBody>
+          <a:bodyPr>
+            <a:normAutofit/>
+          </a:bodyPr>
+          <a:lstStyle/>
+          <a:p>
+            <a:pPr marL="0" lvl="0" indent="0">
+              <a:buNone/>
+            </a:pPr>
+            <a:r>
+              <a:rPr lang="ru-RU" dirty="0"/>
+              <a:t>Где в </a:t>
+            </a:r>
+            <a:r>
+              <a:rPr lang="en-US" dirty="0" err="1"/>
+              <a:t>seq</a:t>
+            </a:r>
+            <a:r>
+              <a:rPr lang="ru-RU" dirty="0"/>
+              <a:t>2</a:t>
+            </a:r>
+            <a:r>
+              <a:rPr lang="en-US" dirty="0" err="1"/>
+              <a:t>seq</a:t>
+            </a:r>
+            <a:r>
+              <a:rPr lang="en-US" dirty="0"/>
+              <a:t> </a:t>
+            </a:r>
+            <a:r>
+              <a:rPr lang="ru-RU" dirty="0"/>
+              <a:t>моделях применяется механизм внимания</a:t>
+            </a:r>
+            <a:r>
+              <a:rPr lang="ru-RU" dirty="0" smtClean="0"/>
+              <a:t>?</a:t>
+            </a:r>
+            <a:endParaRPr lang="en-US" dirty="0" smtClean="0"/>
+          </a:p>
+          <a:p>
+            <a:pPr marL="0" lvl="0" indent="0">
+              <a:buNone/>
+            </a:pPr>
+            <a:endParaRPr lang="ru-RU" dirty="0"/>
+          </a:p>
+          <a:p>
+            <a:r>
+              <a:rPr lang="ru-RU" dirty="0"/>
+              <a:t>Внутри </a:t>
+            </a:r>
+            <a:r>
+              <a:rPr lang="ru-RU" dirty="0" err="1"/>
+              <a:t>энкодера</a:t>
+            </a:r>
+            <a:r>
+              <a:rPr lang="ru-RU" dirty="0"/>
+              <a:t>.</a:t>
+            </a:r>
+          </a:p>
+          <a:p>
+            <a:r>
+              <a:rPr lang="ru-RU" dirty="0"/>
+              <a:t>Внутри декодера.</a:t>
+            </a:r>
+          </a:p>
+          <a:p>
+            <a:r>
+              <a:rPr lang="ru-RU" dirty="0"/>
+              <a:t>Между </a:t>
+            </a:r>
+            <a:r>
+              <a:rPr lang="ru-RU" dirty="0" err="1"/>
+              <a:t>энкодером</a:t>
+            </a:r>
+            <a:r>
+              <a:rPr lang="ru-RU" dirty="0"/>
+              <a:t> и декодером.</a:t>
+            </a:r>
+          </a:p>
+          <a:p>
+            <a:r>
+              <a:rPr lang="ru-RU" dirty="0"/>
+              <a:t>После декодера</a:t>
+            </a:r>
+            <a:r>
+              <a:rPr lang="ru-RU" dirty="0" smtClean="0"/>
+              <a:t>.</a:t>
+            </a:r>
+            <a:endParaRPr lang="ru-RU" dirty="0"/>
+          </a:p>
+        </p:txBody>
+      </p:sp>
+    </p:spTree>
+    <p:extLst>
+      <p:ext uri="{BB962C8B-B14F-4D97-AF65-F5344CB8AC3E}">
+        <p14:creationId xmlns:p14="http://schemas.microsoft.com/office/powerpoint/2010/main" val="2010203654"/>
+      </p:ext>
+    </p:extLst>
+  </p:cSld>
+  <p:clrMapOvr>
+    <a:masterClrMapping/>
+  </p:clrMapOvr>
+  <p:timing>
+    <p:tnLst>
+      <p:par>
+        <p:cTn id="1" dur="indefinite" restart="never" nodeType="tmRoot"/>
+      </p:par>
+    </p:tnLst>
+  </p:timing>
+</p:sld>
+</file>
+
+<file path=ppt/slides/slide49.xml><?xml version="1.0" encoding="utf-8"?>
+<p:sld xmlns:a="http://schemas.openxmlformats.org/drawingml/2006/main" xmlns:r="http://schemas.openxmlformats.org/officeDocument/2006/relationships" xmlns:p="http://schemas.openxmlformats.org/presentationml/2006/main">
+  <p:cSld>
+    <p:spTree>
+      <p:nvGrpSpPr>
+        <p:cNvPr id="1" name=""/>
+        <p:cNvGrpSpPr/>
+        <p:nvPr/>
+      </p:nvGrpSpPr>
+      <p:grpSpPr>
+        <a:xfrm>
+          <a:off x="0" y="0"/>
+          <a:ext cx="0" cy="0"/>
+          <a:chOff x="0" y="0"/>
+          <a:chExt cx="0" cy="0"/>
+        </a:xfrm>
+      </p:grpSpPr>
+      <p:sp>
+        <p:nvSpPr>
+          <p:cNvPr id="2" name="Заголовок 1"/>
+          <p:cNvSpPr>
+            <a:spLocks noGrp="1"/>
+          </p:cNvSpPr>
+          <p:nvPr>
+            <p:ph type="title"/>
+          </p:nvPr>
+        </p:nvSpPr>
+        <p:spPr/>
+        <p:txBody>
+          <a:bodyPr/>
+          <a:lstStyle/>
+          <a:p>
+            <a:r>
+              <a:rPr lang="ru-RU" dirty="0" smtClean="0"/>
+              <a:t>Контрольные вопросы</a:t>
+            </a:r>
+            <a:endParaRPr lang="ru-RU" dirty="0"/>
+          </a:p>
+        </p:txBody>
+      </p:sp>
+      <p:sp>
+        <p:nvSpPr>
+          <p:cNvPr id="3" name="Объект 2"/>
+          <p:cNvSpPr>
+            <a:spLocks noGrp="1"/>
+          </p:cNvSpPr>
+          <p:nvPr>
+            <p:ph idx="1"/>
+          </p:nvPr>
+        </p:nvSpPr>
+        <p:spPr/>
+        <p:txBody>
+          <a:bodyPr>
+            <a:normAutofit/>
+          </a:bodyPr>
+          <a:lstStyle/>
+          <a:p>
+            <a:pPr marL="0" lvl="0" indent="0">
+              <a:buNone/>
+            </a:pPr>
+            <a:r>
+              <a:rPr lang="ru-RU" dirty="0"/>
+              <a:t>Где применяется механизм внимания в архитектуре </a:t>
+            </a:r>
+            <a:r>
+              <a:rPr lang="ru-RU" dirty="0" err="1"/>
+              <a:t>трансформеров</a:t>
+            </a:r>
+            <a:r>
+              <a:rPr lang="ru-RU" dirty="0" smtClean="0"/>
+              <a:t>?</a:t>
+            </a:r>
+            <a:endParaRPr lang="en-US" dirty="0" smtClean="0"/>
+          </a:p>
+          <a:p>
+            <a:pPr marL="0" lvl="0" indent="0">
+              <a:buNone/>
+            </a:pPr>
+            <a:endParaRPr lang="ru-RU" dirty="0"/>
+          </a:p>
+          <a:p>
+            <a:r>
+              <a:rPr lang="ru-RU" dirty="0"/>
+              <a:t>В </a:t>
+            </a:r>
+            <a:r>
+              <a:rPr lang="ru-RU" dirty="0" err="1"/>
+              <a:t>энкодере</a:t>
+            </a:r>
+            <a:r>
+              <a:rPr lang="ru-RU" dirty="0"/>
+              <a:t> и между </a:t>
+            </a:r>
+            <a:r>
+              <a:rPr lang="ru-RU" dirty="0" err="1"/>
+              <a:t>энкодером</a:t>
+            </a:r>
+            <a:r>
+              <a:rPr lang="ru-RU" dirty="0"/>
+              <a:t> и декодером.</a:t>
+            </a:r>
+          </a:p>
+          <a:p>
+            <a:r>
+              <a:rPr lang="ru-RU" dirty="0"/>
+              <a:t>В декодере и между </a:t>
+            </a:r>
+            <a:r>
+              <a:rPr lang="ru-RU" dirty="0" err="1"/>
+              <a:t>энкодером</a:t>
+            </a:r>
+            <a:r>
+              <a:rPr lang="ru-RU" dirty="0"/>
+              <a:t> и декодером.</a:t>
+            </a:r>
+          </a:p>
+          <a:p>
+            <a:r>
+              <a:rPr lang="ru-RU" dirty="0"/>
+              <a:t>В </a:t>
+            </a:r>
+            <a:r>
+              <a:rPr lang="ru-RU" dirty="0" err="1"/>
+              <a:t>энкодере</a:t>
+            </a:r>
+            <a:r>
+              <a:rPr lang="ru-RU" dirty="0"/>
+              <a:t> и декодере.</a:t>
+            </a:r>
+          </a:p>
+          <a:p>
+            <a:r>
+              <a:rPr lang="ru-RU" dirty="0"/>
+              <a:t>В </a:t>
+            </a:r>
+            <a:r>
+              <a:rPr lang="ru-RU" dirty="0" err="1"/>
+              <a:t>энкодере</a:t>
+            </a:r>
+            <a:r>
+              <a:rPr lang="ru-RU" dirty="0"/>
+              <a:t>, декодере и между ними</a:t>
+            </a:r>
+            <a:r>
+              <a:rPr lang="ru-RU" dirty="0" smtClean="0"/>
+              <a:t>.</a:t>
+            </a:r>
+            <a:endParaRPr lang="ru-RU" dirty="0"/>
+          </a:p>
+        </p:txBody>
+      </p:sp>
+    </p:spTree>
+    <p:extLst>
+      <p:ext uri="{BB962C8B-B14F-4D97-AF65-F5344CB8AC3E}">
+        <p14:creationId xmlns:p14="http://schemas.microsoft.com/office/powerpoint/2010/main" val="160686164"/>
       </p:ext>
     </p:extLst>
   </p:cSld>
@@ -7813,8 +8470,8 @@
           </a:p>
         </p:txBody>
       </p:sp>
-      <mc:AlternateContent xmlns:mc="http://schemas.openxmlformats.org/markup-compatibility/2006">
-        <mc:Choice xmlns:a14="http://schemas.microsoft.com/office/drawing/2010/main" Requires="a14">
+      <mc:AlternateContent xmlns:mc="http://schemas.openxmlformats.org/markup-compatibility/2006" xmlns:a14="http://schemas.microsoft.com/office/drawing/2010/main">
+        <mc:Choice Requires="a14">
           <p:sp>
             <p:nvSpPr>
               <p:cNvPr id="8" name="Объект 7"/>
@@ -8185,7 +8842,7 @@
             </p:txBody>
           </p:sp>
         </mc:Choice>
-        <mc:Fallback>
+        <mc:Fallback xmlns="">
           <p:sp>
             <p:nvSpPr>
               <p:cNvPr id="8" name="Объект 7"/>
@@ -8223,6 +8880,308 @@
     <p:extLst>
       <p:ext uri="{BB962C8B-B14F-4D97-AF65-F5344CB8AC3E}">
         <p14:creationId xmlns:p14="http://schemas.microsoft.com/office/powerpoint/2010/main" val="402878079"/>
+      </p:ext>
+    </p:extLst>
+  </p:cSld>
+  <p:clrMapOvr>
+    <a:masterClrMapping/>
+  </p:clrMapOvr>
+  <p:timing>
+    <p:tnLst>
+      <p:par>
+        <p:cTn id="1" dur="indefinite" restart="never" nodeType="tmRoot"/>
+      </p:par>
+    </p:tnLst>
+  </p:timing>
+</p:sld>
+</file>
+
+<file path=ppt/slides/slide50.xml><?xml version="1.0" encoding="utf-8"?>
+<p:sld xmlns:a="http://schemas.openxmlformats.org/drawingml/2006/main" xmlns:r="http://schemas.openxmlformats.org/officeDocument/2006/relationships" xmlns:p="http://schemas.openxmlformats.org/presentationml/2006/main">
+  <p:cSld>
+    <p:spTree>
+      <p:nvGrpSpPr>
+        <p:cNvPr id="1" name=""/>
+        <p:cNvGrpSpPr/>
+        <p:nvPr/>
+      </p:nvGrpSpPr>
+      <p:grpSpPr>
+        <a:xfrm>
+          <a:off x="0" y="0"/>
+          <a:ext cx="0" cy="0"/>
+          <a:chOff x="0" y="0"/>
+          <a:chExt cx="0" cy="0"/>
+        </a:xfrm>
+      </p:grpSpPr>
+      <p:sp>
+        <p:nvSpPr>
+          <p:cNvPr id="2" name="Заголовок 1"/>
+          <p:cNvSpPr>
+            <a:spLocks noGrp="1"/>
+          </p:cNvSpPr>
+          <p:nvPr>
+            <p:ph type="title"/>
+          </p:nvPr>
+        </p:nvSpPr>
+        <p:spPr/>
+        <p:txBody>
+          <a:bodyPr/>
+          <a:lstStyle/>
+          <a:p>
+            <a:r>
+              <a:rPr lang="ru-RU" dirty="0" smtClean="0"/>
+              <a:t>Контрольные вопросы</a:t>
+            </a:r>
+            <a:endParaRPr lang="ru-RU" dirty="0"/>
+          </a:p>
+        </p:txBody>
+      </p:sp>
+      <p:sp>
+        <p:nvSpPr>
+          <p:cNvPr id="3" name="Объект 2"/>
+          <p:cNvSpPr>
+            <a:spLocks noGrp="1"/>
+          </p:cNvSpPr>
+          <p:nvPr>
+            <p:ph idx="1"/>
+          </p:nvPr>
+        </p:nvSpPr>
+        <p:spPr/>
+        <p:txBody>
+          <a:bodyPr>
+            <a:normAutofit/>
+          </a:bodyPr>
+          <a:lstStyle/>
+          <a:p>
+            <a:pPr marL="0" lvl="0" indent="0">
+              <a:buNone/>
+            </a:pPr>
+            <a:r>
+              <a:rPr lang="ru-RU" dirty="0"/>
+              <a:t>Какое утверждение относительно архитектуры </a:t>
+            </a:r>
+            <a:r>
+              <a:rPr lang="ru-RU" dirty="0" err="1"/>
+              <a:t>трансформеров</a:t>
+            </a:r>
+            <a:r>
+              <a:rPr lang="ru-RU" dirty="0"/>
+              <a:t> верно</a:t>
+            </a:r>
+            <a:r>
+              <a:rPr lang="ru-RU" dirty="0" smtClean="0"/>
+              <a:t>?</a:t>
+            </a:r>
+            <a:endParaRPr lang="en-US" dirty="0" smtClean="0"/>
+          </a:p>
+          <a:p>
+            <a:pPr marL="0" lvl="0" indent="0">
+              <a:buNone/>
+            </a:pPr>
+            <a:endParaRPr lang="ru-RU" dirty="0"/>
+          </a:p>
+          <a:p>
+            <a:r>
+              <a:rPr lang="ru-RU" dirty="0"/>
+              <a:t>И </a:t>
+            </a:r>
+            <a:r>
+              <a:rPr lang="ru-RU" dirty="0" err="1"/>
+              <a:t>энкодер</a:t>
+            </a:r>
+            <a:r>
+              <a:rPr lang="ru-RU" dirty="0"/>
+              <a:t>, и декодер состоят из одного блока каждый.</a:t>
+            </a:r>
+          </a:p>
+          <a:p>
+            <a:r>
+              <a:rPr lang="ru-RU" dirty="0" err="1"/>
+              <a:t>Энкодер</a:t>
+            </a:r>
+            <a:r>
+              <a:rPr lang="ru-RU" dirty="0"/>
+              <a:t> состоит из одного блока, декодер – из нескольких.</a:t>
+            </a:r>
+          </a:p>
+          <a:p>
+            <a:r>
+              <a:rPr lang="ru-RU" dirty="0" err="1"/>
+              <a:t>Энкодер</a:t>
+            </a:r>
+            <a:r>
+              <a:rPr lang="ru-RU" dirty="0"/>
+              <a:t> состоит из нескольких блоков, декодер – из одного.</a:t>
+            </a:r>
+          </a:p>
+          <a:p>
+            <a:r>
+              <a:rPr lang="ru-RU" dirty="0"/>
+              <a:t>И </a:t>
+            </a:r>
+            <a:r>
+              <a:rPr lang="ru-RU" dirty="0" err="1"/>
+              <a:t>энкодер</a:t>
+            </a:r>
+            <a:r>
+              <a:rPr lang="ru-RU" dirty="0"/>
+              <a:t>, и декодер состоят из нескольких блоков</a:t>
+            </a:r>
+            <a:r>
+              <a:rPr lang="ru-RU" dirty="0" smtClean="0"/>
+              <a:t>.</a:t>
+            </a:r>
+            <a:endParaRPr lang="ru-RU" dirty="0"/>
+          </a:p>
+        </p:txBody>
+      </p:sp>
+    </p:spTree>
+    <p:extLst>
+      <p:ext uri="{BB962C8B-B14F-4D97-AF65-F5344CB8AC3E}">
+        <p14:creationId xmlns:p14="http://schemas.microsoft.com/office/powerpoint/2010/main" val="1759241394"/>
+      </p:ext>
+    </p:extLst>
+  </p:cSld>
+  <p:clrMapOvr>
+    <a:masterClrMapping/>
+  </p:clrMapOvr>
+  <p:timing>
+    <p:tnLst>
+      <p:par>
+        <p:cTn id="1" dur="indefinite" restart="never" nodeType="tmRoot"/>
+      </p:par>
+    </p:tnLst>
+  </p:timing>
+</p:sld>
+</file>
+
+<file path=ppt/slides/slide51.xml><?xml version="1.0" encoding="utf-8"?>
+<p:sld xmlns:a="http://schemas.openxmlformats.org/drawingml/2006/main" xmlns:r="http://schemas.openxmlformats.org/officeDocument/2006/relationships" xmlns:p="http://schemas.openxmlformats.org/presentationml/2006/main">
+  <p:cSld>
+    <p:spTree>
+      <p:nvGrpSpPr>
+        <p:cNvPr id="1" name=""/>
+        <p:cNvGrpSpPr/>
+        <p:nvPr/>
+      </p:nvGrpSpPr>
+      <p:grpSpPr>
+        <a:xfrm>
+          <a:off x="0" y="0"/>
+          <a:ext cx="0" cy="0"/>
+          <a:chOff x="0" y="0"/>
+          <a:chExt cx="0" cy="0"/>
+        </a:xfrm>
+      </p:grpSpPr>
+      <p:sp>
+        <p:nvSpPr>
+          <p:cNvPr id="2" name="Заголовок 1"/>
+          <p:cNvSpPr>
+            <a:spLocks noGrp="1"/>
+          </p:cNvSpPr>
+          <p:nvPr>
+            <p:ph type="title"/>
+          </p:nvPr>
+        </p:nvSpPr>
+        <p:spPr/>
+        <p:txBody>
+          <a:bodyPr/>
+          <a:lstStyle/>
+          <a:p>
+            <a:r>
+              <a:rPr lang="ru-RU" dirty="0" smtClean="0"/>
+              <a:t>Контрольные вопросы</a:t>
+            </a:r>
+            <a:endParaRPr lang="ru-RU" dirty="0"/>
+          </a:p>
+        </p:txBody>
+      </p:sp>
+      <p:sp>
+        <p:nvSpPr>
+          <p:cNvPr id="3" name="Объект 2"/>
+          <p:cNvSpPr>
+            <a:spLocks noGrp="1"/>
+          </p:cNvSpPr>
+          <p:nvPr>
+            <p:ph idx="1"/>
+          </p:nvPr>
+        </p:nvSpPr>
+        <p:spPr/>
+        <p:txBody>
+          <a:bodyPr>
+            <a:normAutofit/>
+          </a:bodyPr>
+          <a:lstStyle/>
+          <a:p>
+            <a:pPr marL="0" lvl="0" indent="0">
+              <a:buNone/>
+            </a:pPr>
+            <a:r>
+              <a:rPr lang="ru-RU" dirty="0"/>
+              <a:t>Какие существуют способы использования архитектуры </a:t>
+            </a:r>
+            <a:r>
+              <a:rPr lang="ru-RU" dirty="0" err="1"/>
+              <a:t>трансформеров</a:t>
+            </a:r>
+            <a:r>
+              <a:rPr lang="ru-RU" dirty="0" smtClean="0"/>
+              <a:t>?</a:t>
+            </a:r>
+            <a:endParaRPr lang="en-US" smtClean="0"/>
+          </a:p>
+          <a:p>
+            <a:pPr marL="0" lvl="0" indent="0">
+              <a:buNone/>
+            </a:pPr>
+            <a:endParaRPr lang="ru-RU" dirty="0"/>
+          </a:p>
+          <a:p>
+            <a:r>
+              <a:rPr lang="ru-RU" dirty="0"/>
+              <a:t>Полная архитектура и отдельные </a:t>
+            </a:r>
+            <a:r>
+              <a:rPr lang="ru-RU" dirty="0" err="1"/>
+              <a:t>энкодер</a:t>
+            </a:r>
+            <a:r>
+              <a:rPr lang="ru-RU" dirty="0"/>
+              <a:t> или декодер.</a:t>
+            </a:r>
+          </a:p>
+          <a:p>
+            <a:r>
+              <a:rPr lang="ru-RU" dirty="0"/>
+              <a:t>Полная архитектура и отдельный </a:t>
+            </a:r>
+            <a:r>
+              <a:rPr lang="ru-RU" dirty="0" err="1"/>
+              <a:t>энкодер</a:t>
+            </a:r>
+            <a:r>
+              <a:rPr lang="ru-RU" dirty="0"/>
+              <a:t>.</a:t>
+            </a:r>
+          </a:p>
+          <a:p>
+            <a:r>
+              <a:rPr lang="ru-RU" dirty="0"/>
+              <a:t>Полная архитектура и отдельный декодер.</a:t>
+            </a:r>
+          </a:p>
+          <a:p>
+            <a:r>
+              <a:rPr lang="ru-RU" dirty="0"/>
+              <a:t>Только полная архитектура.</a:t>
+            </a:r>
+            <a:endParaRPr lang="ru-RU" dirty="0"/>
+          </a:p>
+        </p:txBody>
+      </p:sp>
+    </p:spTree>
+    <p:extLst>
+      <p:ext uri="{BB962C8B-B14F-4D97-AF65-F5344CB8AC3E}">
+        <p14:creationId xmlns:p14="http://schemas.microsoft.com/office/powerpoint/2010/main" val="1718678063"/>
       </p:ext>
     </p:extLst>
   </p:cSld>
